--- a/doc/App_Description_LocalTV_eng_v.1.0.0.pptx
+++ b/doc/App_Description_LocalTV_eng_v.1.0.0.pptx
@@ -288,7 +288,7 @@
             <a:fld id="{D98953DA-782A-48AA-87CE-00BCEE572E43}" type="datetimeFigureOut">
               <a:rPr lang="ko-KR" altLang="en-US" smtClean="0"/>
               <a:pPr/>
-              <a:t>28.12.13</a:t>
+              <a:t>18.01.14</a:t>
             </a:fld>
             <a:endParaRPr lang="ko-KR" altLang="en-US"/>
           </a:p>
@@ -455,7 +455,7 @@
             <a:fld id="{D98953DA-782A-48AA-87CE-00BCEE572E43}" type="datetimeFigureOut">
               <a:rPr lang="ko-KR" altLang="en-US" smtClean="0"/>
               <a:pPr/>
-              <a:t>28.12.13</a:t>
+              <a:t>18.01.14</a:t>
             </a:fld>
             <a:endParaRPr lang="ko-KR" altLang="en-US"/>
           </a:p>
@@ -632,7 +632,7 @@
             <a:fld id="{D98953DA-782A-48AA-87CE-00BCEE572E43}" type="datetimeFigureOut">
               <a:rPr lang="ko-KR" altLang="en-US" smtClean="0"/>
               <a:pPr/>
-              <a:t>28.12.13</a:t>
+              <a:t>18.01.14</a:t>
             </a:fld>
             <a:endParaRPr lang="ko-KR" altLang="en-US"/>
           </a:p>
@@ -799,7 +799,7 @@
             <a:fld id="{D98953DA-782A-48AA-87CE-00BCEE572E43}" type="datetimeFigureOut">
               <a:rPr lang="ko-KR" altLang="en-US" smtClean="0"/>
               <a:pPr/>
-              <a:t>28.12.13</a:t>
+              <a:t>18.01.14</a:t>
             </a:fld>
             <a:endParaRPr lang="ko-KR" altLang="en-US"/>
           </a:p>
@@ -1043,7 +1043,7 @@
             <a:fld id="{D98953DA-782A-48AA-87CE-00BCEE572E43}" type="datetimeFigureOut">
               <a:rPr lang="ko-KR" altLang="en-US" smtClean="0"/>
               <a:pPr/>
-              <a:t>28.12.13</a:t>
+              <a:t>18.01.14</a:t>
             </a:fld>
             <a:endParaRPr lang="ko-KR" altLang="en-US"/>
           </a:p>
@@ -1309,7 +1309,7 @@
             <a:fld id="{D98953DA-782A-48AA-87CE-00BCEE572E43}" type="datetimeFigureOut">
               <a:rPr lang="ko-KR" altLang="en-US" smtClean="0"/>
               <a:pPr/>
-              <a:t>28.12.13</a:t>
+              <a:t>18.01.14</a:t>
             </a:fld>
             <a:endParaRPr lang="ko-KR" altLang="en-US"/>
           </a:p>
@@ -1689,7 +1689,7 @@
             <a:fld id="{D98953DA-782A-48AA-87CE-00BCEE572E43}" type="datetimeFigureOut">
               <a:rPr lang="ko-KR" altLang="en-US" smtClean="0"/>
               <a:pPr/>
-              <a:t>28.12.13</a:t>
+              <a:t>18.01.14</a:t>
             </a:fld>
             <a:endParaRPr lang="ko-KR" altLang="en-US"/>
           </a:p>
@@ -1841,7 +1841,7 @@
             <a:fld id="{D98953DA-782A-48AA-87CE-00BCEE572E43}" type="datetimeFigureOut">
               <a:rPr lang="ko-KR" altLang="en-US" smtClean="0"/>
               <a:pPr/>
-              <a:t>28.12.13</a:t>
+              <a:t>18.01.14</a:t>
             </a:fld>
             <a:endParaRPr lang="ko-KR" altLang="en-US"/>
           </a:p>
@@ -1933,7 +1933,7 @@
             <a:fld id="{D98953DA-782A-48AA-87CE-00BCEE572E43}" type="datetimeFigureOut">
               <a:rPr lang="ko-KR" altLang="en-US" smtClean="0"/>
               <a:pPr/>
-              <a:t>28.12.13</a:t>
+              <a:t>18.01.14</a:t>
             </a:fld>
             <a:endParaRPr lang="ko-KR" altLang="en-US"/>
           </a:p>
@@ -2196,7 +2196,7 @@
             <a:fld id="{D98953DA-782A-48AA-87CE-00BCEE572E43}" type="datetimeFigureOut">
               <a:rPr lang="ko-KR" altLang="en-US" smtClean="0"/>
               <a:pPr/>
-              <a:t>28.12.13</a:t>
+              <a:t>18.01.14</a:t>
             </a:fld>
             <a:endParaRPr lang="ko-KR" altLang="en-US"/>
           </a:p>
@@ -2486,7 +2486,7 @@
             <a:fld id="{D98953DA-782A-48AA-87CE-00BCEE572E43}" type="datetimeFigureOut">
               <a:rPr lang="ko-KR" altLang="en-US" smtClean="0"/>
               <a:pPr/>
-              <a:t>28.12.13</a:t>
+              <a:t>18.01.14</a:t>
             </a:fld>
             <a:endParaRPr lang="ko-KR" altLang="en-US"/>
           </a:p>
@@ -3259,7 +3259,7 @@
             <a:fld id="{D98953DA-782A-48AA-87CE-00BCEE572E43}" type="datetimeFigureOut">
               <a:rPr lang="ko-KR" altLang="en-US" smtClean="0"/>
               <a:pPr/>
-              <a:t>28.12.13</a:t>
+              <a:t>18.01.14</a:t>
             </a:fld>
             <a:endParaRPr lang="ko-KR" altLang="en-US"/>
           </a:p>
@@ -4133,11 +4133,6 @@
                         </a:rPr>
                         <a:t>Initial Version of this Document</a:t>
                       </a:r>
-                      <a:endParaRPr lang="en-US" altLang="ko-KR" i="1" dirty="0" smtClean="0">
-                        <a:solidFill>
-                          <a:schemeClr val="tx1"/>
-                        </a:solidFill>
-                      </a:endParaRPr>
                     </a:p>
                     <a:p>
                       <a:pPr latinLnBrk="1">
@@ -4385,11 +4380,7 @@
           <a:p>
             <a:r>
               <a:rPr lang="en-US" altLang="ko-KR" dirty="0" smtClean="0"/>
-              <a:t>UI </a:t>
-            </a:r>
-            <a:r>
-              <a:rPr lang="en-US" altLang="ko-KR" dirty="0" smtClean="0"/>
-              <a:t>Structure</a:t>
+              <a:t>UI Structure</a:t>
             </a:r>
             <a:endParaRPr lang="ko-KR" altLang="en-US" i="1" dirty="0">
               <a:solidFill>
@@ -4874,23 +4865,7 @@
                     <a:schemeClr val="tx1"/>
                   </a:solidFill>
                 </a:rPr>
-                <a:t>Watch </a:t>
-              </a:r>
-              <a:r>
-                <a:rPr lang="en-US" altLang="ko-KR" sz="1200" dirty="0" smtClean="0">
-                  <a:solidFill>
-                    <a:schemeClr val="tx1"/>
-                  </a:solidFill>
-                </a:rPr>
-                <a:t>selected </a:t>
-              </a:r>
-              <a:r>
-                <a:rPr lang="en-US" altLang="ko-KR" sz="1200" dirty="0" smtClean="0">
-                  <a:solidFill>
-                    <a:schemeClr val="tx1"/>
-                  </a:solidFill>
-                </a:rPr>
-                <a:t>station</a:t>
+                <a:t>Watch selected station</a:t>
               </a:r>
             </a:p>
             <a:p>
@@ -5737,7 +5712,23 @@
                   <a:srgbClr val="000000"/>
                 </a:solidFill>
               </a:rPr>
-              <a:t>Press “Play” key to play a TV station</a:t>
+              <a:t>Press “Play</a:t>
+            </a:r>
+            <a:r>
+              <a:rPr lang="en-US" altLang="ko-KR" sz="2400" dirty="0" smtClean="0">
+                <a:solidFill>
+                  <a:srgbClr val="000000"/>
+                </a:solidFill>
+              </a:rPr>
+              <a:t>” or “Enter” </a:t>
+            </a:r>
+            <a:r>
+              <a:rPr lang="en-US" altLang="ko-KR" sz="2400" dirty="0" smtClean="0">
+                <a:solidFill>
+                  <a:srgbClr val="000000"/>
+                </a:solidFill>
+              </a:rPr>
+              <a:t>key to play a TV station</a:t>
             </a:r>
           </a:p>
           <a:p>
@@ -5850,15 +5841,7 @@
                   <a:srgbClr val="000000"/>
                 </a:solidFill>
               </a:rPr>
-              <a:t> 1.) Station list	2.) TV Screen	</a:t>
-            </a:r>
-            <a:r>
-              <a:rPr lang="en-US" altLang="ko-KR" dirty="0" smtClean="0">
-                <a:solidFill>
-                  <a:srgbClr val="000000"/>
-                </a:solidFill>
-              </a:rPr>
-              <a:t>3.) Volume &amp; Keys</a:t>
+              <a:t> 1.) Station list	2.) TV Screen	3.) Volume &amp; Keys</a:t>
             </a:r>
           </a:p>
           <a:p>
@@ -5873,11 +5856,6 @@
               </a:rPr>
               <a:t>4.) Description	5.) Help</a:t>
             </a:r>
-            <a:endParaRPr lang="en-US" altLang="ko-KR" dirty="0" smtClean="0">
-              <a:solidFill>
-                <a:srgbClr val="000000"/>
-              </a:solidFill>
-            </a:endParaRPr>
           </a:p>
         </p:txBody>
       </p:sp>
@@ -6006,10 +5984,6 @@
               </a:rPr>
               <a:t>4</a:t>
             </a:r>
-            <a:endParaRPr lang="de-DE" sz="2000" dirty="0">
-              <a:latin typeface="Arial Black"/>
-              <a:cs typeface="Arial Black"/>
-            </a:endParaRPr>
           </a:p>
         </p:txBody>
       </p:sp>
@@ -6108,10 +6082,6 @@
               </a:rPr>
               <a:t>2</a:t>
             </a:r>
-            <a:endParaRPr lang="de-DE" sz="2000" dirty="0">
-              <a:latin typeface="Arial Black"/>
-              <a:cs typeface="Arial Black"/>
-            </a:endParaRPr>
           </a:p>
         </p:txBody>
       </p:sp>
@@ -6159,10 +6129,6 @@
               </a:rPr>
               <a:t>5</a:t>
             </a:r>
-            <a:endParaRPr lang="de-DE" sz="2000" dirty="0">
-              <a:latin typeface="Arial Black"/>
-              <a:cs typeface="Arial Black"/>
-            </a:endParaRPr>
           </a:p>
         </p:txBody>
       </p:sp>
@@ -6208,11 +6174,7 @@
           <a:p>
             <a:r>
               <a:rPr lang="en-US" altLang="ko-KR" dirty="0" smtClean="0"/>
-              <a:t>Key </a:t>
-            </a:r>
-            <a:r>
-              <a:rPr lang="en-US" altLang="ko-KR" dirty="0" smtClean="0"/>
-              <a:t>Policy</a:t>
+              <a:t>Key Policy</a:t>
             </a:r>
             <a:endParaRPr lang="ko-KR" altLang="en-US" i="1" dirty="0">
               <a:solidFill>
@@ -6273,14 +6235,14 @@
           <p:nvPr>
             <p:extLst>
               <p:ext uri="{D42A27DB-BD31-4B8C-83A1-F6EECF244321}">
-                <p14:modId xmlns:p14="http://schemas.microsoft.com/office/powerpoint/2010/main" val="669810948"/>
+                <p14:modId xmlns:p14="http://schemas.microsoft.com/office/powerpoint/2010/main" val="3312616776"/>
               </p:ext>
             </p:extLst>
           </p:nvPr>
         </p:nvGraphicFramePr>
         <p:xfrm>
           <a:off x="539552" y="2492896"/>
-          <a:ext cx="7920880" cy="3357616"/>
+          <a:ext cx="7920880" cy="3558784"/>
         </p:xfrm>
         <a:graphic>
           <a:graphicData uri="http://schemas.openxmlformats.org/drawingml/2006/table">
@@ -6924,7 +6886,53 @@
                           <a:latin typeface="Century Gothic" pitchFamily="34" charset="0"/>
                           <a:ea typeface="돋움" pitchFamily="50" charset="-127"/>
                         </a:rPr>
-                        <a:t>Change window screen to full screen or full screen to window screen.</a:t>
+                        <a:t>When TV stations is not playing ENTER starts the station.</a:t>
+                      </a:r>
+                    </a:p>
+                    <a:p>
+                      <a:pPr marL="0" marR="0" lvl="0" indent="0" algn="l" defTabSz="914400" rtl="0" eaLnBrk="1" fontAlgn="base" latinLnBrk="1" hangingPunct="1">
+                        <a:lnSpc>
+                          <a:spcPct val="100000"/>
+                        </a:lnSpc>
+                        <a:spcBef>
+                          <a:spcPct val="20000"/>
+                        </a:spcBef>
+                        <a:spcAft>
+                          <a:spcPct val="0"/>
+                        </a:spcAft>
+                        <a:buClrTx/>
+                        <a:buSzTx/>
+                        <a:buFontTx/>
+                        <a:buNone/>
+                        <a:tabLst/>
+                      </a:pPr>
+                      <a:r>
+                        <a:rPr kumimoji="1" lang="en-US" altLang="ko-KR" sz="1100" b="0" i="0" u="none" strike="noStrike" cap="none" normalizeH="0" baseline="0" dirty="0" smtClean="0">
+                          <a:ln>
+                            <a:noFill/>
+                          </a:ln>
+                          <a:solidFill>
+                            <a:srgbClr val="000000"/>
+                          </a:solidFill>
+                          <a:effectLst/>
+                          <a:latin typeface="Century Gothic" pitchFamily="34" charset="0"/>
+                          <a:ea typeface="돋움" pitchFamily="50" charset="-127"/>
+                        </a:rPr>
+                        <a:t>When TV station is playing ENTER change </a:t>
+                      </a:r>
+                      <a:r>
+                        <a:rPr kumimoji="1" lang="en-US" altLang="ko-KR" sz="1100" b="0" i="0" u="none" strike="noStrike" cap="none" normalizeH="0" baseline="0" dirty="0" smtClean="0">
+                          <a:ln>
+                            <a:noFill/>
+                          </a:ln>
+                          <a:solidFill>
+                            <a:srgbClr val="000000"/>
+                          </a:solidFill>
+                          <a:effectLst/>
+                          <a:latin typeface="Century Gothic" pitchFamily="34" charset="0"/>
+                          <a:ea typeface="돋움" pitchFamily="50" charset="-127"/>
+                        </a:rPr>
+                        <a:t>window screen to full screen or full screen to window screen.</a:t>
                       </a:r>
                       <a:endParaRPr kumimoji="1" lang="ko-KR" altLang="en-US" sz="1100" b="0" i="0" u="none" strike="noStrike" cap="none" normalizeH="0" baseline="0" dirty="0" smtClean="0">
                         <a:ln>
@@ -7701,17 +7709,6 @@
                         </a:rPr>
                         <a:t>PLAY</a:t>
                       </a:r>
-                      <a:endParaRPr kumimoji="1" lang="en-US" altLang="ko-KR" sz="1100" b="0" i="0" u="none" strike="noStrike" cap="none" normalizeH="0" baseline="0" dirty="0" smtClean="0">
-                        <a:ln>
-                          <a:noFill/>
-                        </a:ln>
-                        <a:solidFill>
-                          <a:srgbClr val="000000"/>
-                        </a:solidFill>
-                        <a:effectLst/>
-                        <a:latin typeface="Century Gothic" pitchFamily="34" charset="0"/>
-                        <a:ea typeface="돋움" pitchFamily="50" charset="-127"/>
-                      </a:endParaRPr>
                     </a:p>
                   </a:txBody>
                   <a:tcPr marL="36000" marR="36000" marT="36000" marB="36000" horzOverflow="overflow">
@@ -8001,17 +7998,6 @@
                         </a:rPr>
                         <a:t>STOP</a:t>
                       </a:r>
-                      <a:endParaRPr kumimoji="1" lang="en-US" altLang="ko-KR" sz="1100" b="0" i="0" u="none" strike="noStrike" cap="none" normalizeH="0" baseline="0" dirty="0" smtClean="0">
-                        <a:ln>
-                          <a:noFill/>
-                        </a:ln>
-                        <a:solidFill>
-                          <a:srgbClr val="000000"/>
-                        </a:solidFill>
-                        <a:effectLst/>
-                        <a:latin typeface="Century Gothic" pitchFamily="34" charset="0"/>
-                        <a:ea typeface="돋움" pitchFamily="50" charset="-127"/>
-                      </a:endParaRPr>
                     </a:p>
                   </a:txBody>
                   <a:tcPr marL="36000" marR="36000" marT="36000" marB="36000" horzOverflow="overflow">
@@ -9134,7 +9120,7 @@
             <p:ph idx="1"/>
             <p:extLst>
               <p:ext uri="{D42A27DB-BD31-4B8C-83A1-F6EECF244321}">
-                <p14:modId xmlns:p14="http://schemas.microsoft.com/office/powerpoint/2010/main" val="3469282944"/>
+                <p14:modId xmlns:p14="http://schemas.microsoft.com/office/powerpoint/2010/main" val="1178657795"/>
               </p:ext>
             </p:extLst>
           </p:nvPr>
@@ -9297,7 +9283,7 @@
                           <a:ea typeface="+mn-ea"/>
                           <a:cs typeface="+mn-cs"/>
                         </a:rPr>
-                        <a:t>is</a:t>
+                        <a:t>has</a:t>
                       </a:r>
                       <a:r>
                         <a:rPr kumimoji="0" lang="de-CH" altLang="ko-KR" sz="1200" i="0" kern="1200" dirty="0" smtClean="0">
@@ -9308,10 +9294,21 @@
                           <a:ea typeface="+mn-ea"/>
                           <a:cs typeface="+mn-cs"/>
                         </a:rPr>
-                        <a:t> English</a:t>
+                        <a:t> </a:t>
                       </a:r>
                       <a:r>
-                        <a:rPr kumimoji="0" lang="de-CH" altLang="ko-KR" sz="1200" i="0" kern="1200" baseline="0" dirty="0" smtClean="0">
+                        <a:rPr kumimoji="0" lang="de-CH" altLang="ko-KR" sz="1200" i="0" kern="1200" dirty="0" err="1" smtClean="0">
+                          <a:solidFill>
+                            <a:srgbClr val="000000"/>
+                          </a:solidFill>
+                          <a:latin typeface="+mn-lt"/>
+                          <a:ea typeface="+mn-ea"/>
+                          <a:cs typeface="+mn-cs"/>
+                        </a:rPr>
+                        <a:t>only</a:t>
+                      </a:r>
+                      <a:r>
+                        <a:rPr kumimoji="0" lang="de-CH" altLang="ko-KR" sz="1200" i="0" kern="1200" dirty="0" smtClean="0">
                           <a:solidFill>
                             <a:srgbClr val="000000"/>
                           </a:solidFill>
@@ -9322,7 +9319,7 @@
                         <a:t> </a:t>
                       </a:r>
                       <a:r>
-                        <a:rPr kumimoji="0" lang="de-CH" altLang="ko-KR" sz="1200" i="0" kern="1200" baseline="0" dirty="0" err="1" smtClean="0">
+                        <a:rPr kumimoji="0" lang="de-CH" altLang="ko-KR" sz="1200" i="0" kern="1200" dirty="0" err="1" smtClean="0">
                           <a:solidFill>
                             <a:srgbClr val="000000"/>
                           </a:solidFill>
@@ -9330,7 +9327,29 @@
                           <a:ea typeface="+mn-ea"/>
                           <a:cs typeface="+mn-cs"/>
                         </a:rPr>
-                        <a:t>only</a:t>
+                        <a:t>one</a:t>
+                      </a:r>
+                      <a:r>
+                        <a:rPr kumimoji="0" lang="de-CH" altLang="ko-KR" sz="1200" i="0" kern="1200" dirty="0" smtClean="0">
+                          <a:solidFill>
+                            <a:srgbClr val="000000"/>
+                          </a:solidFill>
+                          <a:latin typeface="+mn-lt"/>
+                          <a:ea typeface="+mn-ea"/>
+                          <a:cs typeface="+mn-cs"/>
+                        </a:rPr>
+                        <a:t> </a:t>
+                      </a:r>
+                      <a:r>
+                        <a:rPr kumimoji="0" lang="de-CH" altLang="ko-KR" sz="1200" i="0" kern="1200" smtClean="0">
+                          <a:solidFill>
+                            <a:srgbClr val="000000"/>
+                          </a:solidFill>
+                          <a:latin typeface="+mn-lt"/>
+                          <a:ea typeface="+mn-ea"/>
+                          <a:cs typeface="+mn-cs"/>
+                        </a:rPr>
+                        <a:t>language</a:t>
                       </a:r>
                       <a:endParaRPr kumimoji="0" lang="ko-KR" altLang="ko-KR" sz="1200" i="0" kern="1200" dirty="0">
                         <a:solidFill>
